--- a/slides/03_antibody_landscapes.pptx
+++ b/slides/03_antibody_landscapes.pptx
@@ -8,7 +8,7 @@
     <p:notesMasterId r:id="rId13"/>
   </p:notesMasterIdLst>
   <p:sldIdLst>
-    <p:sldId id="256" r:id="rId2"/>
+    <p:sldId id="268" r:id="rId2"/>
     <p:sldId id="257" r:id="rId3"/>
     <p:sldId id="258" r:id="rId4"/>
     <p:sldId id="259" r:id="rId5"/>
@@ -207,7 +207,7 @@
           <a:p>
             <a:fld id="{48748626-7256-3046-8BAF-BE879F74980C}" type="datetimeFigureOut">
               <a:rPr lang="en-US" smtClean="0"/>
-              <a:t>6/30/25</a:t>
+              <a:t>9/12/25</a:t>
             </a:fld>
             <a:endParaRPr lang="en-US"/>
           </a:p>
@@ -624,7 +624,7 @@
           <a:p>
             <a:fld id="{8F6CD2E1-1F8E-5347-86A6-EFE8BDCF2FF8}" type="datetimeFigureOut">
               <a:rPr lang="en-US" smtClean="0"/>
-              <a:t>6/30/25</a:t>
+              <a:t>9/12/25</a:t>
             </a:fld>
             <a:endParaRPr lang="en-US"/>
           </a:p>
@@ -824,7 +824,7 @@
           <a:p>
             <a:fld id="{8F6CD2E1-1F8E-5347-86A6-EFE8BDCF2FF8}" type="datetimeFigureOut">
               <a:rPr lang="en-US" smtClean="0"/>
-              <a:t>6/30/25</a:t>
+              <a:t>9/12/25</a:t>
             </a:fld>
             <a:endParaRPr lang="en-US"/>
           </a:p>
@@ -1034,7 +1034,7 @@
           <a:p>
             <a:fld id="{8F6CD2E1-1F8E-5347-86A6-EFE8BDCF2FF8}" type="datetimeFigureOut">
               <a:rPr lang="en-US" smtClean="0"/>
-              <a:t>6/30/25</a:t>
+              <a:t>9/12/25</a:t>
             </a:fld>
             <a:endParaRPr lang="en-US"/>
           </a:p>
@@ -1234,7 +1234,7 @@
           <a:p>
             <a:fld id="{8F6CD2E1-1F8E-5347-86A6-EFE8BDCF2FF8}" type="datetimeFigureOut">
               <a:rPr lang="en-US" smtClean="0"/>
-              <a:t>6/30/25</a:t>
+              <a:t>9/12/25</a:t>
             </a:fld>
             <a:endParaRPr lang="en-US"/>
           </a:p>
@@ -1510,7 +1510,7 @@
           <a:p>
             <a:fld id="{8F6CD2E1-1F8E-5347-86A6-EFE8BDCF2FF8}" type="datetimeFigureOut">
               <a:rPr lang="en-US" smtClean="0"/>
-              <a:t>6/30/25</a:t>
+              <a:t>9/12/25</a:t>
             </a:fld>
             <a:endParaRPr lang="en-US"/>
           </a:p>
@@ -1778,7 +1778,7 @@
           <a:p>
             <a:fld id="{8F6CD2E1-1F8E-5347-86A6-EFE8BDCF2FF8}" type="datetimeFigureOut">
               <a:rPr lang="en-US" smtClean="0"/>
-              <a:t>6/30/25</a:t>
+              <a:t>9/12/25</a:t>
             </a:fld>
             <a:endParaRPr lang="en-US"/>
           </a:p>
@@ -2193,7 +2193,7 @@
           <a:p>
             <a:fld id="{8F6CD2E1-1F8E-5347-86A6-EFE8BDCF2FF8}" type="datetimeFigureOut">
               <a:rPr lang="en-US" smtClean="0"/>
-              <a:t>6/30/25</a:t>
+              <a:t>9/12/25</a:t>
             </a:fld>
             <a:endParaRPr lang="en-US"/>
           </a:p>
@@ -2335,7 +2335,7 @@
           <a:p>
             <a:fld id="{8F6CD2E1-1F8E-5347-86A6-EFE8BDCF2FF8}" type="datetimeFigureOut">
               <a:rPr lang="en-US" smtClean="0"/>
-              <a:t>6/30/25</a:t>
+              <a:t>9/12/25</a:t>
             </a:fld>
             <a:endParaRPr lang="en-US"/>
           </a:p>
@@ -2448,7 +2448,7 @@
           <a:p>
             <a:fld id="{8F6CD2E1-1F8E-5347-86A6-EFE8BDCF2FF8}" type="datetimeFigureOut">
               <a:rPr lang="en-US" smtClean="0"/>
-              <a:t>6/30/25</a:t>
+              <a:t>9/12/25</a:t>
             </a:fld>
             <a:endParaRPr lang="en-US"/>
           </a:p>
@@ -2761,7 +2761,7 @@
           <a:p>
             <a:fld id="{8F6CD2E1-1F8E-5347-86A6-EFE8BDCF2FF8}" type="datetimeFigureOut">
               <a:rPr lang="en-US" smtClean="0"/>
-              <a:t>6/30/25</a:t>
+              <a:t>9/12/25</a:t>
             </a:fld>
             <a:endParaRPr lang="en-US"/>
           </a:p>
@@ -3050,7 +3050,7 @@
           <a:p>
             <a:fld id="{8F6CD2E1-1F8E-5347-86A6-EFE8BDCF2FF8}" type="datetimeFigureOut">
               <a:rPr lang="en-US" smtClean="0"/>
-              <a:t>6/30/25</a:t>
+              <a:t>9/12/25</a:t>
             </a:fld>
             <a:endParaRPr lang="en-US"/>
           </a:p>
@@ -3293,7 +3293,7 @@
           <a:p>
             <a:fld id="{8F6CD2E1-1F8E-5347-86A6-EFE8BDCF2FF8}" type="datetimeFigureOut">
               <a:rPr lang="en-US" smtClean="0"/>
-              <a:t>6/30/25</a:t>
+              <a:t>9/12/25</a:t>
             </a:fld>
             <a:endParaRPr lang="en-US"/>
           </a:p>
@@ -3715,7 +3715,7 @@
           <p:cNvPr id="2" name="Title 1">
             <a:extLst>
               <a:ext uri="{FF2B5EF4-FFF2-40B4-BE49-F238E27FC236}">
-                <a16:creationId xmlns:a16="http://schemas.microsoft.com/office/drawing/2014/main" id="{F751E6F0-BC5B-C527-78A2-28EB76C50822}"/>
+                <a16:creationId xmlns:a16="http://schemas.microsoft.com/office/drawing/2014/main" id="{CE99398F-6199-FFAB-3718-B9A0CED2A743}"/>
               </a:ext>
             </a:extLst>
           </p:cNvPr>
@@ -3728,61 +3728,163 @@
         </p:nvSpPr>
         <p:spPr/>
         <p:txBody>
-          <a:bodyPr/>
-          <a:lstStyle/>
-          <a:p>
+          <a:bodyPr>
+            <a:normAutofit fontScale="90000"/>
+          </a:bodyPr>
+          <a:lstStyle/>
+          <a:p>
+            <a:r>
+              <a:rPr lang="en-GB" b="1" dirty="0"/>
+              <a:t>Antigenic Cartography Workshop – Antibody Landscapes </a:t>
+            </a:r>
+            <a:endParaRPr lang="en-DE" sz="4900" dirty="0"/>
+          </a:p>
+        </p:txBody>
+      </p:sp>
+      <p:sp>
+        <p:nvSpPr>
+          <p:cNvPr id="3" name="Subtitle 2">
+            <a:extLst>
+              <a:ext uri="{FF2B5EF4-FFF2-40B4-BE49-F238E27FC236}">
+                <a16:creationId xmlns:a16="http://schemas.microsoft.com/office/drawing/2014/main" id="{257C1623-F21C-DCE1-7813-BA3A54BAEE70}"/>
+              </a:ext>
+            </a:extLst>
+          </p:cNvPr>
+          <p:cNvSpPr>
+            <a:spLocks noGrp="1"/>
+          </p:cNvSpPr>
+          <p:nvPr>
+            <p:ph type="subTitle" idx="1"/>
+          </p:nvPr>
+        </p:nvSpPr>
+        <p:spPr>
+          <a:xfrm>
+            <a:off x="1524000" y="3602037"/>
+            <a:ext cx="9144000" cy="2646363"/>
+          </a:xfrm>
+        </p:spPr>
+        <p:txBody>
+          <a:bodyPr>
+            <a:normAutofit fontScale="77500" lnSpcReduction="20000"/>
+          </a:bodyPr>
+          <a:lstStyle/>
+          <a:p>
+            <a:r>
+              <a:rPr lang="en-GB" b="1" dirty="0"/>
+              <a:t>ESFLU Training School, October 6-8, 2025</a:t>
+            </a:r>
+          </a:p>
+          <a:p>
+            <a:endParaRPr lang="en-DE" dirty="0"/>
+          </a:p>
+          <a:p>
+            <a:r>
+              <a:rPr lang="en-DE" dirty="0"/>
+              <a:t>Antonia Netzl (she/</a:t>
+            </a:r>
+            <a:r>
+              <a:rPr lang="en-DE"/>
+              <a:t>her)</a:t>
+            </a:r>
             <a:r>
               <a:rPr lang="en-US" dirty="0"/>
-              <a:t>Antibody landscapes</a:t>
-            </a:r>
-          </a:p>
-        </p:txBody>
-      </p:sp>
-      <p:sp>
-        <p:nvSpPr>
-          <p:cNvPr id="3" name="Subtitle 2">
-            <a:extLst>
-              <a:ext uri="{FF2B5EF4-FFF2-40B4-BE49-F238E27FC236}">
-                <a16:creationId xmlns:a16="http://schemas.microsoft.com/office/drawing/2014/main" id="{3186B5F1-7A98-005B-A191-C463B85A22A2}"/>
-              </a:ext>
-            </a:extLst>
-          </p:cNvPr>
-          <p:cNvSpPr>
-            <a:spLocks noGrp="1"/>
-          </p:cNvSpPr>
-          <p:nvPr>
-            <p:ph type="subTitle" idx="1"/>
-          </p:nvPr>
-        </p:nvSpPr>
-        <p:spPr/>
-        <p:txBody>
-          <a:bodyPr>
-            <a:normAutofit/>
-          </a:bodyPr>
-          <a:lstStyle/>
-          <a:p>
-            <a:r>
-              <a:rPr lang="en-GB" b="1" dirty="0"/>
-              <a:t>NIAID CEIRR Training Program</a:t>
-            </a:r>
-            <a:endParaRPr lang="en-GB" dirty="0"/>
-          </a:p>
-          <a:p>
-            <a:r>
-              <a:rPr lang="en-GB" b="1" dirty="0"/>
-              <a:t>Antigenic Cartography Workshop July 9-10, 2025</a:t>
-            </a:r>
-            <a:br>
+              <a:t> </a:t>
+            </a:r>
+            <a:r>
+              <a:rPr lang="en-US" dirty="0">
+                <a:hlinkClick r:id="rId2"/>
+              </a:rPr>
+              <a:t>an604@cam.ac.uk</a:t>
+            </a:r>
+            <a:endParaRPr lang="en-US" dirty="0"/>
+          </a:p>
+          <a:p>
+            <a:r>
+              <a:rPr lang="en-US" dirty="0"/>
+              <a:t>Sarah James (she/her) </a:t>
+            </a:r>
+            <a:r>
+              <a:rPr lang="en-US" dirty="0">
+                <a:hlinkClick r:id="rId3"/>
+              </a:rPr>
+              <a:t>slj38@cam.ac.uk</a:t>
+            </a:r>
+            <a:r>
+              <a:rPr lang="en-US" dirty="0"/>
+              <a:t> </a:t>
+            </a:r>
+          </a:p>
+          <a:p>
+            <a:r>
+              <a:rPr lang="en-US" dirty="0"/>
+              <a:t>Sam Turner (he/him) </a:t>
+            </a:r>
+            <a:r>
+              <a:rPr lang="en-GB" dirty="0">
+                <a:hlinkClick r:id="rId4"/>
+              </a:rPr>
+              <a:t>sat65@cam.ac.uk</a:t>
+            </a:r>
+            <a:r>
               <a:rPr lang="en-GB" dirty="0"/>
-            </a:br>
+              <a:t> </a:t>
+            </a:r>
+          </a:p>
+          <a:p>
+            <a:r>
+              <a:rPr lang="en-US" dirty="0"/>
+              <a:t>Sina Türeli (he/him) </a:t>
+            </a:r>
+            <a:r>
+              <a:rPr lang="en-US" dirty="0">
+                <a:hlinkClick r:id="rId5"/>
+              </a:rPr>
+              <a:t>st757@cam.ac.uk</a:t>
+            </a:r>
             <a:endParaRPr lang="en-US" dirty="0"/>
+          </a:p>
+          <a:p>
+            <a:r>
+              <a:rPr lang="en-US" dirty="0"/>
+              <a:t>Derek Smith (he/him) </a:t>
+            </a:r>
+            <a:r>
+              <a:rPr lang="en-US" dirty="0">
+                <a:hlinkClick r:id="rId6"/>
+              </a:rPr>
+              <a:t>djs200@cam.ac.uk</a:t>
+            </a:r>
+            <a:r>
+              <a:rPr lang="en-US" dirty="0"/>
+              <a:t> </a:t>
+            </a:r>
+            <a:endParaRPr lang="en-DE" dirty="0"/>
+          </a:p>
+          <a:p>
+            <a:r>
+              <a:rPr lang="en-DE"/>
+              <a:t>Centre </a:t>
+            </a:r>
+            <a:r>
+              <a:rPr lang="en-DE" dirty="0"/>
+              <a:t>for Pathogen Evolution, University </a:t>
+            </a:r>
+            <a:r>
+              <a:rPr lang="en-DE"/>
+              <a:t>of Cambridge</a:t>
+            </a:r>
+            <a:r>
+              <a:rPr lang="en-US" dirty="0"/>
+              <a:t>, UK</a:t>
+            </a:r>
+            <a:endParaRPr lang="en-DE" dirty="0"/>
           </a:p>
         </p:txBody>
       </p:sp>
     </p:spTree>
     <p:extLst>
       <p:ext uri="{BB962C8B-B14F-4D97-AF65-F5344CB8AC3E}">
-        <p14:creationId xmlns:p14="http://schemas.microsoft.com/office/powerpoint/2010/main" val="619263308"/>
+        <p14:creationId xmlns:p14="http://schemas.microsoft.com/office/powerpoint/2010/main" val="2184159035"/>
       </p:ext>
     </p:extLst>
   </p:cSld>
